--- a/New Problem/Generalized Linear Precoder and Decoder.pptx
+++ b/New Problem/Generalized Linear Precoder and Decoder.pptx
@@ -244,7 +244,7 @@
           <a:p>
             <a:fld id="{0D7A80AD-75C0-4139-8349-D7A56AAE3422}" type="datetimeFigureOut">
               <a:rPr lang="ko-KR" altLang="en-US" smtClean="0"/>
-              <a:t>2024-10-21</a:t>
+              <a:t>2024-10-22</a:t>
             </a:fld>
             <a:endParaRPr lang="ko-KR" altLang="en-US"/>
           </a:p>
@@ -748,7 +748,7 @@
           <a:p>
             <a:fld id="{3DF3EF48-9CCD-4EE9-BB40-4739D0DAE972}" type="datetime1">
               <a:rPr lang="ko-KR" altLang="en-US" smtClean="0"/>
-              <a:t>2024-10-21</a:t>
+              <a:t>2024-10-22</a:t>
             </a:fld>
             <a:endParaRPr lang="ko-KR" altLang="en-US"/>
           </a:p>
@@ -1019,7 +1019,7 @@
           <a:p>
             <a:fld id="{9E45620A-9A66-47B0-9218-43F171A33458}" type="datetime1">
               <a:rPr lang="ko-KR" altLang="en-US" smtClean="0"/>
-              <a:t>2024-10-21</a:t>
+              <a:t>2024-10-22</a:t>
             </a:fld>
             <a:endParaRPr lang="ko-KR" altLang="en-US"/>
           </a:p>
@@ -1295,7 +1295,7 @@
           <a:p>
             <a:fld id="{C1E586D9-B5F3-454A-8918-B4C99ED5AEDE}" type="datetime1">
               <a:rPr lang="ko-KR" altLang="en-US" smtClean="0"/>
-              <a:t>2024-10-21</a:t>
+              <a:t>2024-10-22</a:t>
             </a:fld>
             <a:endParaRPr lang="ko-KR" altLang="en-US"/>
           </a:p>
@@ -1519,7 +1519,7 @@
           <a:p>
             <a:fld id="{B0E4ADD3-F434-478C-876A-1D3933DF4707}" type="datetime1">
               <a:rPr lang="ko-KR" altLang="en-US" smtClean="0"/>
-              <a:t>2024-10-21</a:t>
+              <a:t>2024-10-22</a:t>
             </a:fld>
             <a:endParaRPr lang="ko-KR" altLang="en-US"/>
           </a:p>
@@ -1873,7 +1873,7 @@
           <a:p>
             <a:fld id="{38DF26BB-6A75-410D-A6B0-8FD34915C10D}" type="datetime1">
               <a:rPr lang="ko-KR" altLang="en-US" smtClean="0"/>
-              <a:t>2024-10-21</a:t>
+              <a:t>2024-10-22</a:t>
             </a:fld>
             <a:endParaRPr lang="ko-KR" altLang="en-US"/>
           </a:p>
@@ -2253,7 +2253,7 @@
           <a:p>
             <a:fld id="{4584CDF8-1723-475A-8393-34F016E9B184}" type="datetime1">
               <a:rPr lang="ko-KR" altLang="en-US" smtClean="0"/>
-              <a:t>2024-10-21</a:t>
+              <a:t>2024-10-22</a:t>
             </a:fld>
             <a:endParaRPr lang="ko-KR" altLang="en-US"/>
           </a:p>
@@ -2733,7 +2733,7 @@
           <a:p>
             <a:fld id="{FB8CCD4A-1F8C-4D3E-BDD6-84C4090AF0D6}" type="datetime1">
               <a:rPr lang="ko-KR" altLang="en-US" smtClean="0"/>
-              <a:t>2024-10-21</a:t>
+              <a:t>2024-10-22</a:t>
             </a:fld>
             <a:endParaRPr lang="ko-KR" altLang="en-US"/>
           </a:p>
@@ -2874,7 +2874,7 @@
           <a:p>
             <a:fld id="{CE073545-46C1-49FB-A041-5415163523D0}" type="datetime1">
               <a:rPr lang="ko-KR" altLang="en-US" smtClean="0"/>
-              <a:t>2024-10-21</a:t>
+              <a:t>2024-10-22</a:t>
             </a:fld>
             <a:endParaRPr lang="ko-KR" altLang="en-US"/>
           </a:p>
@@ -3055,7 +3055,7 @@
           <a:p>
             <a:fld id="{7EDBC6A4-6274-4803-89FF-1DA18D4FE7AA}" type="datetime1">
               <a:rPr lang="ko-KR" altLang="en-US" smtClean="0"/>
-              <a:t>2024-10-21</a:t>
+              <a:t>2024-10-22</a:t>
             </a:fld>
             <a:endParaRPr lang="ko-KR" altLang="en-US"/>
           </a:p>
@@ -3366,7 +3366,7 @@
           <a:p>
             <a:fld id="{B84A353D-6971-4305-AB04-6AEE4DD0E048}" type="datetime1">
               <a:rPr lang="ko-KR" altLang="en-US" smtClean="0"/>
-              <a:t>2024-10-21</a:t>
+              <a:t>2024-10-22</a:t>
             </a:fld>
             <a:endParaRPr lang="ko-KR" altLang="en-US"/>
           </a:p>
@@ -3654,7 +3654,7 @@
           <a:p>
             <a:fld id="{4AC75523-461B-44DB-AD97-7C06B206BE7B}" type="datetime1">
               <a:rPr lang="ko-KR" altLang="en-US" smtClean="0"/>
-              <a:t>2024-10-21</a:t>
+              <a:t>2024-10-22</a:t>
             </a:fld>
             <a:endParaRPr lang="ko-KR" altLang="en-US"/>
           </a:p>
@@ -3899,7 +3899,7 @@
           <a:p>
             <a:fld id="{9D1D2423-15C0-4D7C-B759-40ACCC100800}" type="datetime1">
               <a:rPr lang="ko-KR" altLang="en-US" smtClean="0"/>
-              <a:t>2024-10-21</a:t>
+              <a:t>2024-10-22</a:t>
             </a:fld>
             <a:endParaRPr lang="ko-KR" altLang="en-US"/>
           </a:p>
@@ -4877,7 +4877,20 @@
                         <a:effectLst/>
                         <a:latin typeface="Cambria Math" panose="02040503050406030204" pitchFamily="18" charset="0"/>
                       </a:rPr>
-                      <m:t> ∗1</m:t>
+                      <m:t> ∗</m:t>
+                    </m:r>
+                    <m:r>
+                      <a:rPr kumimoji="0" lang="en-US" altLang="en-US" sz="1600" b="0" i="1" u="none" strike="noStrike" cap="none" normalizeH="0" smtClean="0">
+                        <a:ln>
+                          <a:noFill/>
+                        </a:ln>
+                        <a:solidFill>
+                          <a:schemeClr val="tx1"/>
+                        </a:solidFill>
+                        <a:effectLst/>
+                        <a:latin typeface="Cambria Math" panose="02040503050406030204" pitchFamily="18" charset="0"/>
+                      </a:rPr>
+                      <m:t>1</m:t>
                     </m:r>
                   </m:oMath>
                 </a14:m>
@@ -5198,7 +5211,19 @@
                       <a:rPr lang="en-US" sz="1600" b="0" i="1" smtClean="0">
                         <a:latin typeface="Cambria Math" panose="02040503050406030204" pitchFamily="18" charset="0"/>
                       </a:rPr>
-                      <m:t>∗1 </m:t>
+                      <m:t>∗</m:t>
+                    </m:r>
+                    <m:r>
+                      <a:rPr lang="en-US" sz="1600" b="0" i="1" smtClean="0">
+                        <a:latin typeface="Cambria Math" panose="02040503050406030204" pitchFamily="18" charset="0"/>
+                      </a:rPr>
+                      <m:t>1</m:t>
+                    </m:r>
+                    <m:r>
+                      <a:rPr lang="en-US" sz="1600" b="0" i="1" smtClean="0">
+                        <a:latin typeface="Cambria Math" panose="02040503050406030204" pitchFamily="18" charset="0"/>
+                      </a:rPr>
+                      <m:t> </m:t>
                     </m:r>
                     <m:r>
                       <a:rPr lang="en-US" sz="1600" b="0" i="0" smtClean="0">
@@ -5325,7 +5350,13 @@
                       <a:rPr lang="en-US" sz="1600" b="0" i="1" smtClean="0">
                         <a:latin typeface="Cambria Math" panose="02040503050406030204" pitchFamily="18" charset="0"/>
                       </a:rPr>
-                      <m:t> ∗1</m:t>
+                      <m:t> ∗</m:t>
+                    </m:r>
+                    <m:r>
+                      <a:rPr lang="en-US" sz="1600" b="0" i="1" smtClean="0">
+                        <a:latin typeface="Cambria Math" panose="02040503050406030204" pitchFamily="18" charset="0"/>
+                      </a:rPr>
+                      <m:t>1</m:t>
                     </m:r>
                   </m:oMath>
                 </a14:m>
@@ -5389,7 +5420,13 @@
                       <a:rPr lang="en-US" sz="1600" b="0" i="1" smtClean="0">
                         <a:latin typeface="Cambria Math" panose="02040503050406030204" pitchFamily="18" charset="0"/>
                       </a:rPr>
-                      <m:t>−1</m:t>
+                      <m:t>−</m:t>
+                    </m:r>
+                    <m:r>
+                      <a:rPr lang="en-US" sz="1600" b="0" i="1" smtClean="0">
+                        <a:latin typeface="Cambria Math" panose="02040503050406030204" pitchFamily="18" charset="0"/>
+                      </a:rPr>
+                      <m:t>1</m:t>
                     </m:r>
                   </m:oMath>
                 </a14:m>
@@ -6584,7 +6621,13 @@
                               <a:rPr lang="en-US" sz="1600" b="0" i="1" dirty="0" smtClean="0">
                                 <a:latin typeface="Cambria Math" panose="02040503050406030204" pitchFamily="18" charset="0"/>
                               </a:rPr>
-                              <m:t>−1</m:t>
+                              <m:t>−</m:t>
+                            </m:r>
+                            <m:r>
+                              <a:rPr lang="en-US" sz="1600" b="0" i="1" dirty="0" smtClean="0">
+                                <a:latin typeface="Cambria Math" panose="02040503050406030204" pitchFamily="18" charset="0"/>
+                              </a:rPr>
+                              <m:t>1</m:t>
                             </m:r>
                           </m:e>
                         </m:d>
@@ -7307,7 +7350,25 @@
                           <a:rPr lang="en-US" sz="1600" b="0" i="1" smtClean="0">
                             <a:latin typeface="Cambria Math" panose="02040503050406030204" pitchFamily="18" charset="0"/>
                           </a:rPr>
-                          <m:t>1,2,……</m:t>
+                          <m:t>1</m:t>
+                        </m:r>
+                        <m:r>
+                          <a:rPr lang="en-US" sz="1600" b="0" i="1" smtClean="0">
+                            <a:latin typeface="Cambria Math" panose="02040503050406030204" pitchFamily="18" charset="0"/>
+                          </a:rPr>
+                          <m:t>,</m:t>
+                        </m:r>
+                        <m:r>
+                          <a:rPr lang="en-US" sz="1600" b="0" i="1" smtClean="0">
+                            <a:latin typeface="Cambria Math" panose="02040503050406030204" pitchFamily="18" charset="0"/>
+                          </a:rPr>
+                          <m:t>2</m:t>
+                        </m:r>
+                        <m:r>
+                          <a:rPr lang="en-US" sz="1600" b="0" i="1" smtClean="0">
+                            <a:latin typeface="Cambria Math" panose="02040503050406030204" pitchFamily="18" charset="0"/>
+                          </a:rPr>
+                          <m:t>,……</m:t>
                         </m:r>
                         <m:r>
                           <a:rPr lang="en-US" sz="1600" b="0" i="1" smtClean="0">
@@ -7638,8 +7699,8 @@
           </a:p>
         </p:txBody>
       </p:sp>
-      <mc:AlternateContent xmlns:mc="http://schemas.openxmlformats.org/markup-compatibility/2006" xmlns:a14="http://schemas.microsoft.com/office/drawing/2010/main">
-        <mc:Choice Requires="a14">
+      <mc:AlternateContent xmlns:mc="http://schemas.openxmlformats.org/markup-compatibility/2006">
+        <mc:Choice xmlns:a14="http://schemas.microsoft.com/office/drawing/2010/main" Requires="a14">
           <p:sp>
             <p:nvSpPr>
               <p:cNvPr id="3" name="Content Placeholder 2">
@@ -7663,13 +7724,83 @@
               <a:p>
                 <a:r>
                   <a:rPr lang="en-US" sz="1600" dirty="0"/>
-                  <a:t>In the sequel, we will use the system equation that corresponds to the single carrier system in a flat-fading           channel.</a:t>
+                  <a:t>We will use the system equation for a </a:t>
+                </a:r>
+                <a:r>
+                  <a:rPr lang="en-US" sz="1600" dirty="0">
+                    <a:solidFill>
+                      <a:schemeClr val="accent1">
+                        <a:lumMod val="75000"/>
+                      </a:schemeClr>
+                    </a:solidFill>
+                  </a:rPr>
+                  <a:t>single carrier </a:t>
+                </a:r>
+                <a:r>
+                  <a:rPr lang="en-US" sz="1600" dirty="0"/>
+                  <a:t>system in a </a:t>
+                </a:r>
+                <a:r>
+                  <a:rPr lang="en-US" sz="1600" dirty="0">
+                    <a:solidFill>
+                      <a:schemeClr val="accent1">
+                        <a:lumMod val="75000"/>
+                      </a:schemeClr>
+                    </a:solidFill>
+                  </a:rPr>
+                  <a:t>flat-fading</a:t>
+                </a:r>
+                <a:r>
+                  <a:rPr lang="en-US" sz="1600" dirty="0"/>
+                  <a:t>  channel.</a:t>
                 </a:r>
               </a:p>
               <a:p>
                 <a:r>
                   <a:rPr lang="en-US" sz="1600" dirty="0"/>
-                  <a:t>It is also applicable for single carrier system for delay spread and multicarrier systems employing OFDM</a:t>
+                  <a:t>It is also applicable </a:t>
+                </a:r>
+                <a:r>
+                  <a:rPr lang="en-US" sz="1600" dirty="0">
+                    <a:solidFill>
+                      <a:schemeClr val="accent1">
+                        <a:lumMod val="75000"/>
+                      </a:schemeClr>
+                    </a:solidFill>
+                  </a:rPr>
+                  <a:t>delay spread </a:t>
+                </a:r>
+                <a:r>
+                  <a:rPr lang="en-US" sz="1600" dirty="0"/>
+                  <a:t>in </a:t>
+                </a:r>
+                <a:r>
+                  <a:rPr lang="en-US" sz="1600" dirty="0">
+                    <a:solidFill>
+                      <a:schemeClr val="accent1">
+                        <a:lumMod val="75000"/>
+                      </a:schemeClr>
+                    </a:solidFill>
+                  </a:rPr>
+                  <a:t>single carrier </a:t>
+                </a:r>
+                <a:r>
+                  <a:rPr lang="en-US" sz="1600" dirty="0"/>
+                  <a:t>and </a:t>
+                </a:r>
+                <a:r>
+                  <a:rPr lang="en-US" sz="1600" dirty="0">
+                    <a:solidFill>
+                      <a:schemeClr val="accent1">
+                        <a:lumMod val="75000"/>
+                      </a:schemeClr>
+                    </a:solidFill>
+                  </a:rPr>
+                  <a:t>multicarrier</a:t>
+                </a:r>
+                <a:r>
+                  <a:rPr lang="en-US" sz="1600" dirty="0"/>
+                  <a:t> systems.</a:t>
                 </a:r>
               </a:p>
               <a:p>
@@ -7680,10 +7811,10 @@
                 <a14:m>
                   <m:oMath xmlns:m="http://schemas.openxmlformats.org/officeDocument/2006/math">
                     <m:r>
-                      <a:rPr lang="en-US" sz="1600" b="0" i="1" smtClean="0">
-                        <a:latin typeface="Cambria Math" panose="02040503050406030204" pitchFamily="18" charset="0"/>
-                      </a:rPr>
-                      <m:t>𝐹</m:t>
+                      <a:rPr lang="en-US" sz="1600" b="1" i="1" smtClean="0">
+                        <a:latin typeface="Cambria Math" panose="02040503050406030204" pitchFamily="18" charset="0"/>
+                      </a:rPr>
+                      <m:t>𝑭</m:t>
                     </m:r>
                   </m:oMath>
                 </a14:m>
@@ -7694,16 +7825,36 @@
                 <a14:m>
                   <m:oMath xmlns:m="http://schemas.openxmlformats.org/officeDocument/2006/math">
                     <m:r>
-                      <a:rPr lang="en-US" sz="1600" b="0" i="1" smtClean="0">
-                        <a:latin typeface="Cambria Math" panose="02040503050406030204" pitchFamily="18" charset="0"/>
-                      </a:rPr>
-                      <m:t>𝐺</m:t>
+                      <a:rPr lang="en-US" sz="1600" b="1" i="1" smtClean="0">
+                        <a:latin typeface="Cambria Math" panose="02040503050406030204" pitchFamily="18" charset="0"/>
+                      </a:rPr>
+                      <m:t>𝑮</m:t>
                     </m:r>
                   </m:oMath>
                 </a14:m>
                 <a:r>
                   <a:rPr lang="en-US" sz="1600" dirty="0"/>
-                  <a:t> matrices to minimize </a:t>
+                  <a:t> matrices </a:t>
+                </a:r>
+              </a:p>
+              <a:p>
+                <a:r>
+                  <a:rPr lang="en-US" sz="1600" dirty="0"/>
+                  <a:t>To </a:t>
+                </a:r>
+                <a:r>
+                  <a:rPr lang="en-US" sz="1600" dirty="0">
+                    <a:solidFill>
+                      <a:schemeClr val="accent1">
+                        <a:lumMod val="75000"/>
+                      </a:schemeClr>
+                    </a:solidFill>
+                  </a:rPr>
+                  <a:t>minimize</a:t>
+                </a:r>
+                <a:r>
+                  <a:rPr lang="en-US" sz="1600" dirty="0"/>
+                  <a:t> </a:t>
                 </a:r>
                 <a14:m>
                   <m:oMath xmlns:m="http://schemas.openxmlformats.org/officeDocument/2006/math">
@@ -8023,7 +8174,21 @@
                 </a14:m>
                 <a:r>
                   <a:rPr lang="en-US" sz="1600" dirty="0"/>
-                  <a:t> square root of a diagonal positive definite weight matrix </a:t>
+                  <a:t> square root of a </a:t>
+                </a:r>
+                <a:r>
+                  <a:rPr lang="en-US" sz="1600" dirty="0">
+                    <a:solidFill>
+                      <a:schemeClr val="accent1">
+                        <a:lumMod val="75000"/>
+                      </a:schemeClr>
+                    </a:solidFill>
+                  </a:rPr>
+                  <a:t>diagonal positive definite</a:t>
+                </a:r>
+                <a:r>
+                  <a:rPr lang="en-US" sz="1600" dirty="0"/>
+                  <a:t> weight matrix </a:t>
                 </a:r>
                 <a14:m>
                   <m:oMath xmlns:m="http://schemas.openxmlformats.org/officeDocument/2006/math">
@@ -8038,26 +8203,6 @@
                 <a:r>
                   <a:rPr lang="en-US" sz="1600" b="1" dirty="0"/>
                   <a:t>.</a:t>
-                </a:r>
-              </a:p>
-              <a:p>
-                <a:r>
-                  <a:rPr lang="en-US" sz="1600" dirty="0"/>
-                  <a:t>Channel </a:t>
-                </a:r>
-                <a14:m>
-                  <m:oMath xmlns:m="http://schemas.openxmlformats.org/officeDocument/2006/math">
-                    <m:r>
-                      <a:rPr lang="en-US" sz="1600" b="1" i="1" smtClean="0">
-                        <a:latin typeface="Cambria Math" panose="02040503050406030204" pitchFamily="18" charset="0"/>
-                      </a:rPr>
-                      <m:t>𝑯</m:t>
-                    </m:r>
-                  </m:oMath>
-                </a14:m>
-                <a:r>
-                  <a:rPr lang="en-US" sz="1600" dirty="0"/>
-                  <a:t> is fixed and known at transmitter and receiver.</a:t>
                 </a:r>
               </a:p>
               <a:p>
@@ -8849,7 +8994,21 @@
                 </a14:m>
                 <a:r>
                   <a:rPr lang="en-US" sz="1600" dirty="0"/>
-                  <a:t> is the error covariance matrix, defined as </a:t>
+                  <a:t> is the error </a:t>
+                </a:r>
+                <a:r>
+                  <a:rPr lang="en-US" sz="1600" dirty="0">
+                    <a:solidFill>
+                      <a:schemeClr val="accent1">
+                        <a:lumMod val="75000"/>
+                      </a:schemeClr>
+                    </a:solidFill>
+                  </a:rPr>
+                  <a:t>covariance</a:t>
+                </a:r>
+                <a:r>
+                  <a:rPr lang="en-US" sz="1600" dirty="0"/>
+                  <a:t> matrix, defined as </a:t>
                 </a:r>
                 <a14:m>
                   <m:oMath xmlns:m="http://schemas.openxmlformats.org/officeDocument/2006/math">
@@ -8972,7 +9131,7 @@
             </p:txBody>
           </p:sp>
         </mc:Choice>
-        <mc:Fallback xmlns="">
+        <mc:Fallback>
           <p:sp>
             <p:nvSpPr>
               <p:cNvPr id="3" name="Content Placeholder 2">
@@ -8993,7 +9152,7 @@
               <a:blipFill>
                 <a:blip r:embed="rId2"/>
                 <a:stretch>
-                  <a:fillRect l="-232" t="-943" r="-812"/>
+                  <a:fillRect l="-232" t="-943" r="-290"/>
                 </a:stretch>
               </a:blipFill>
             </p:spPr>
@@ -12270,8 +12429,8 @@
           </a:p>
         </p:txBody>
       </p:sp>
-      <mc:AlternateContent xmlns:mc="http://schemas.openxmlformats.org/markup-compatibility/2006" xmlns:a14="http://schemas.microsoft.com/office/drawing/2010/main">
-        <mc:Choice Requires="a14">
+      <mc:AlternateContent xmlns:mc="http://schemas.openxmlformats.org/markup-compatibility/2006">
+        <mc:Choice xmlns:a14="http://schemas.microsoft.com/office/drawing/2010/main" Requires="a14">
           <p:sp>
             <p:nvSpPr>
               <p:cNvPr id="3" name="Content Placeholder 2">
@@ -12294,16 +12453,24 @@
               <a:lstStyle/>
               <a:p>
                 <a:r>
+                  <a:rPr lang="en-GB" sz="1600" dirty="0">
+                    <a:solidFill>
+                      <a:srgbClr val="0000FF"/>
+                    </a:solidFill>
+                  </a:rPr>
+                  <a:t>Lemma 1:</a:t>
+                </a:r>
+                <a:r>
                   <a:rPr lang="en-GB" sz="1600" dirty="0"/>
-                  <a:t>Lemma 1: The optimum </a:t>
+                  <a:t> The optimum </a:t>
                 </a:r>
                 <a14:m>
                   <m:oMath xmlns:m="http://schemas.openxmlformats.org/officeDocument/2006/math">
                     <m:r>
-                      <a:rPr lang="en-GB" sz="1600" b="0" i="1" smtClean="0">
-                        <a:latin typeface="Cambria Math" panose="02040503050406030204" pitchFamily="18" charset="0"/>
-                      </a:rPr>
-                      <m:t>𝐹</m:t>
+                      <a:rPr lang="en-GB" sz="1600" b="1" i="1" smtClean="0">
+                        <a:latin typeface="Cambria Math" panose="02040503050406030204" pitchFamily="18" charset="0"/>
+                      </a:rPr>
+                      <m:t>𝑭</m:t>
                     </m:r>
                   </m:oMath>
                 </a14:m>
@@ -12314,10 +12481,10 @@
                 <a14:m>
                   <m:oMath xmlns:m="http://schemas.openxmlformats.org/officeDocument/2006/math">
                     <m:r>
-                      <a:rPr lang="en-GB" sz="1600" b="0" i="1" smtClean="0">
-                        <a:latin typeface="Cambria Math" panose="02040503050406030204" pitchFamily="18" charset="0"/>
-                      </a:rPr>
-                      <m:t>𝐺</m:t>
+                      <a:rPr lang="en-GB" sz="1600" b="1" i="1" smtClean="0">
+                        <a:latin typeface="Cambria Math" panose="02040503050406030204" pitchFamily="18" charset="0"/>
+                      </a:rPr>
+                      <m:t>𝑮</m:t>
                     </m:r>
                   </m:oMath>
                 </a14:m>
@@ -13222,47 +13389,29 @@
                       </m:sub>
                       <m:sup>
                         <m:r>
-                          <a:rPr lang="en-GB" sz="1600" b="1" i="1" smtClean="0">
+                          <a:rPr lang="en-US" sz="1600" b="0" i="1" smtClean="0">
                             <a:latin typeface="Cambria Math" panose="02040503050406030204" pitchFamily="18" charset="0"/>
                           </a:rPr>
                           <m:t>−</m:t>
                         </m:r>
-                        <m:d>
-                          <m:dPr>
-                            <m:ctrlPr>
-                              <a:rPr lang="en-GB" sz="1600" b="1" i="1" smtClean="0">
-                                <a:latin typeface="Cambria Math" panose="02040503050406030204" pitchFamily="18" charset="0"/>
-                              </a:rPr>
-                            </m:ctrlPr>
-                          </m:dPr>
-                          <m:e>
-                            <m:f>
-                              <m:fPr>
-                                <m:ctrlPr>
-                                  <a:rPr lang="en-GB" sz="1600" b="1" i="1" smtClean="0">
-                                    <a:latin typeface="Cambria Math" panose="02040503050406030204" pitchFamily="18" charset="0"/>
-                                  </a:rPr>
-                                </m:ctrlPr>
-                              </m:fPr>
-                              <m:num>
-                                <m:r>
-                                  <a:rPr lang="en-GB" sz="1600" b="1" i="1" smtClean="0">
-                                    <a:latin typeface="Cambria Math" panose="02040503050406030204" pitchFamily="18" charset="0"/>
-                                  </a:rPr>
-                                  <m:t>𝟏</m:t>
-                                </m:r>
-                              </m:num>
-                              <m:den>
-                                <m:r>
-                                  <a:rPr lang="en-GB" sz="1600" b="1" i="1" smtClean="0">
-                                    <a:latin typeface="Cambria Math" panose="02040503050406030204" pitchFamily="18" charset="0"/>
-                                  </a:rPr>
-                                  <m:t>𝟐</m:t>
-                                </m:r>
-                              </m:den>
-                            </m:f>
-                          </m:e>
-                        </m:d>
+                        <m:r>
+                          <a:rPr lang="en-US" sz="1600" b="0" i="1" smtClean="0">
+                            <a:latin typeface="Cambria Math" panose="02040503050406030204" pitchFamily="18" charset="0"/>
+                          </a:rPr>
+                          <m:t>1</m:t>
+                        </m:r>
+                        <m:r>
+                          <a:rPr lang="en-US" sz="1600" b="0" i="1" smtClean="0">
+                            <a:latin typeface="Cambria Math" panose="02040503050406030204" pitchFamily="18" charset="0"/>
+                          </a:rPr>
+                          <m:t>/</m:t>
+                        </m:r>
+                        <m:r>
+                          <a:rPr lang="en-US" sz="1600" b="0" i="1" smtClean="0">
+                            <a:latin typeface="Cambria Math" panose="02040503050406030204" pitchFamily="18" charset="0"/>
+                          </a:rPr>
+                          <m:t>2</m:t>
+                        </m:r>
                       </m:sup>
                     </m:sSubSup>
                     <m:r>
@@ -13334,7 +13483,7 @@
             </p:txBody>
           </p:sp>
         </mc:Choice>
-        <mc:Fallback xmlns="">
+        <mc:Fallback>
           <p:sp>
             <p:nvSpPr>
               <p:cNvPr id="3" name="Content Placeholder 2">
@@ -13465,8 +13614,8 @@
           </a:p>
         </p:txBody>
       </p:sp>
-      <mc:AlternateContent xmlns:mc="http://schemas.openxmlformats.org/markup-compatibility/2006" xmlns:a14="http://schemas.microsoft.com/office/drawing/2010/main">
-        <mc:Choice Requires="a14">
+      <mc:AlternateContent xmlns:mc="http://schemas.openxmlformats.org/markup-compatibility/2006">
+        <mc:Choice xmlns:a14="http://schemas.microsoft.com/office/drawing/2010/main" Requires="a14">
           <p:sp>
             <p:nvSpPr>
               <p:cNvPr id="3" name="Content Placeholder 2">
@@ -13754,12 +13903,24 @@
                         </m:ctrlPr>
                       </m:sSubPr>
                       <m:e>
-                        <m:r>
-                          <a:rPr lang="en-GB" sz="1600" b="1" i="1" smtClean="0">
-                            <a:latin typeface="Cambria Math" panose="02040503050406030204" pitchFamily="18" charset="0"/>
-                          </a:rPr>
-                          <m:t>𝝓</m:t>
-                        </m:r>
+                        <m:acc>
+                          <m:accPr>
+                            <m:chr m:val="̃"/>
+                            <m:ctrlPr>
+                              <a:rPr lang="en-US" sz="1600" b="1" i="1" smtClean="0">
+                                <a:latin typeface="Cambria Math" panose="02040503050406030204" pitchFamily="18" charset="0"/>
+                              </a:rPr>
+                            </m:ctrlPr>
+                          </m:accPr>
+                          <m:e>
+                            <m:r>
+                              <a:rPr lang="en-GB" sz="1600" b="1" i="1" smtClean="0">
+                                <a:latin typeface="Cambria Math" panose="02040503050406030204" pitchFamily="18" charset="0"/>
+                              </a:rPr>
+                              <m:t>𝝓</m:t>
+                            </m:r>
+                          </m:e>
+                        </m:acc>
                       </m:e>
                       <m:sub>
                         <m:r>
@@ -13861,12 +14022,24 @@
                         </m:ctrlPr>
                       </m:sSubPr>
                       <m:e>
-                        <m:r>
-                          <a:rPr lang="en-GB" sz="1600" b="1" i="1" smtClean="0">
-                            <a:latin typeface="Cambria Math" panose="02040503050406030204" pitchFamily="18" charset="0"/>
-                          </a:rPr>
-                          <m:t>𝝓</m:t>
-                        </m:r>
+                        <m:acc>
+                          <m:accPr>
+                            <m:chr m:val="̃"/>
+                            <m:ctrlPr>
+                              <a:rPr lang="en-US" sz="1600" b="1" i="1" smtClean="0">
+                                <a:latin typeface="Cambria Math" panose="02040503050406030204" pitchFamily="18" charset="0"/>
+                              </a:rPr>
+                            </m:ctrlPr>
+                          </m:accPr>
+                          <m:e>
+                            <m:r>
+                              <a:rPr lang="en-GB" sz="1600" b="1" i="1" smtClean="0">
+                                <a:latin typeface="Cambria Math" panose="02040503050406030204" pitchFamily="18" charset="0"/>
+                              </a:rPr>
+                              <m:t>𝝓</m:t>
+                            </m:r>
+                          </m:e>
+                        </m:acc>
                       </m:e>
                       <m:sub>
                         <m:r>
@@ -14641,7 +14814,7 @@
             </p:txBody>
           </p:sp>
         </mc:Choice>
-        <mc:Fallback xmlns="">
+        <mc:Fallback>
           <p:sp>
             <p:nvSpPr>
               <p:cNvPr id="3" name="Content Placeholder 2">
@@ -14769,8 +14942,8 @@
           </a:p>
         </p:txBody>
       </p:sp>
-      <mc:AlternateContent xmlns:mc="http://schemas.openxmlformats.org/markup-compatibility/2006" xmlns:a14="http://schemas.microsoft.com/office/drawing/2010/main">
-        <mc:Choice Requires="a14">
+      <mc:AlternateContent xmlns:mc="http://schemas.openxmlformats.org/markup-compatibility/2006">
+        <mc:Choice xmlns:a14="http://schemas.microsoft.com/office/drawing/2010/main" Requires="a14">
           <p:sp>
             <p:nvSpPr>
               <p:cNvPr id="3" name="Content Placeholder 2">
@@ -15572,7 +15745,7 @@
               <a:p>
                 <a:r>
                   <a:rPr lang="en-US" sz="1600" dirty="0"/>
-                  <a:t>Remultiply (43) by </a:t>
+                  <a:t>Pre-multiply (43) by </a:t>
                 </a:r>
                 <a14:m>
                   <m:oMath xmlns:m="http://schemas.openxmlformats.org/officeDocument/2006/math">
@@ -15872,13 +16045,13 @@
                 <a14:m>
                   <m:oMath xmlns:m="http://schemas.openxmlformats.org/officeDocument/2006/math">
                     <m:r>
-                      <a:rPr lang="en-GB" sz="1600" b="0" i="1" smtClean="0">
-                        <a:latin typeface="Cambria Math" panose="02040503050406030204" pitchFamily="18" charset="0"/>
-                      </a:rPr>
-                      <m:t>𝐹</m:t>
-                    </m:r>
-                    <m:r>
-                      <a:rPr lang="en-GB" sz="1600" b="0" i="1" smtClean="0">
+                      <a:rPr lang="en-GB" sz="1600" b="1" i="1" smtClean="0">
+                        <a:latin typeface="Cambria Math" panose="02040503050406030204" pitchFamily="18" charset="0"/>
+                      </a:rPr>
+                      <m:t>𝑭</m:t>
+                    </m:r>
+                    <m:r>
+                      <a:rPr lang="en-GB" sz="1600" b="1" i="1" smtClean="0">
                         <a:latin typeface="Cambria Math" panose="02040503050406030204" pitchFamily="18" charset="0"/>
                       </a:rPr>
                       <m:t>̝</m:t>
@@ -16115,7 +16288,7 @@
             </p:txBody>
           </p:sp>
         </mc:Choice>
-        <mc:Fallback xmlns="">
+        <mc:Fallback>
           <p:sp>
             <p:nvSpPr>
               <p:cNvPr id="3" name="Content Placeholder 2">
@@ -20131,7 +20304,13 @@
                           <a:rPr lang="en-US" sz="1600" b="0" i="1" smtClean="0">
                             <a:latin typeface="Cambria Math" panose="02040503050406030204" pitchFamily="18" charset="0"/>
                           </a:rPr>
-                          <m:t>−1</m:t>
+                          <m:t>−</m:t>
+                        </m:r>
+                        <m:r>
+                          <a:rPr lang="en-US" sz="1600" b="0" i="1" smtClean="0">
+                            <a:latin typeface="Cambria Math" panose="02040503050406030204" pitchFamily="18" charset="0"/>
+                          </a:rPr>
+                          <m:t>1</m:t>
                         </m:r>
                       </m:sup>
                     </m:sSubSup>
@@ -26472,8 +26651,8 @@
           </a:p>
         </p:txBody>
       </p:sp>
-      <mc:AlternateContent xmlns:mc="http://schemas.openxmlformats.org/markup-compatibility/2006" xmlns:a14="http://schemas.microsoft.com/office/drawing/2010/main">
-        <mc:Choice Requires="a14">
+      <mc:AlternateContent xmlns:mc="http://schemas.openxmlformats.org/markup-compatibility/2006">
+        <mc:Choice xmlns:a14="http://schemas.microsoft.com/office/drawing/2010/main" Requires="a14">
           <p:sp>
             <p:nvSpPr>
               <p:cNvPr id="3" name="Content Placeholder 2">
@@ -26984,7 +27163,18 @@
                     </m:sSub>
                   </m:oMath>
                 </a14:m>
-                <a:endParaRPr lang="en-US" sz="1600" b="1" dirty="0"/>
+                <a:r>
+                  <a:rPr lang="en-US" sz="1600" b="1" dirty="0"/>
+                  <a:t>               </a:t>
+                </a:r>
+                <a:r>
+                  <a:rPr lang="en-US" sz="1600" dirty="0"/>
+                  <a:t>[Unitary transformation preserve the orthogonality  and magnitude of vectors]</a:t>
+                </a:r>
+                <a:r>
+                  <a:rPr lang="en-US" sz="1600" b="1" dirty="0"/>
+                  <a:t>                           </a:t>
+                </a:r>
               </a:p>
               <a:p>
                 <a14:m>
@@ -27404,7 +27594,51 @@
                     </m:sSubSup>
                   </m:oMath>
                 </a14:m>
-                <a:endParaRPr lang="en-US" sz="1600" b="1" dirty="0"/>
+                <a:r>
+                  <a:rPr lang="en-US" sz="1600" b="1" dirty="0"/>
+                  <a:t>                          </a:t>
+                </a:r>
+                <a:r>
+                  <a:rPr lang="en-US" sz="1600" dirty="0"/>
+                  <a:t>[Since </a:t>
+                </a:r>
+                <a14:m>
+                  <m:oMath xmlns:m="http://schemas.openxmlformats.org/officeDocument/2006/math">
+                    <m:sSub>
+                      <m:sSubPr>
+                        <m:ctrlPr>
+                          <a:rPr lang="en-US" sz="1600" b="1" i="1" smtClean="0">
+                            <a:latin typeface="Cambria Math" panose="02040503050406030204" pitchFamily="18" charset="0"/>
+                          </a:rPr>
+                        </m:ctrlPr>
+                      </m:sSubPr>
+                      <m:e>
+                        <m:r>
+                          <a:rPr lang="en-US" sz="1600" b="1" i="1" smtClean="0">
+                            <a:latin typeface="Cambria Math" panose="02040503050406030204" pitchFamily="18" charset="0"/>
+                          </a:rPr>
+                          <m:t>𝑫</m:t>
+                        </m:r>
+                      </m:e>
+                      <m:sub>
+                        <m:r>
+                          <a:rPr lang="en-US" sz="1600" b="1" i="1" smtClean="0">
+                            <a:latin typeface="Cambria Math" panose="02040503050406030204" pitchFamily="18" charset="0"/>
+                          </a:rPr>
+                          <m:t>𝟐</m:t>
+                        </m:r>
+                      </m:sub>
+                    </m:sSub>
+                  </m:oMath>
+                </a14:m>
+                <a:r>
+                  <a:rPr lang="en-US" sz="1600" b="1" dirty="0"/>
+                  <a:t> </a:t>
+                </a:r>
+                <a:r>
+                  <a:rPr lang="en-US" sz="1600" dirty="0"/>
+                  <a:t>is semidefinite we can define the principal square root]</a:t>
+                </a:r>
               </a:p>
               <a:p>
                 <a14:m>
@@ -27562,31 +27796,135 @@
                     <m:sSub>
                       <m:sSubPr>
                         <m:ctrlPr>
-                          <a:rPr lang="en-US" sz="1600" b="0" i="1" smtClean="0">
+                          <a:rPr lang="en-US" sz="1600" b="1" i="1" smtClean="0">
                             <a:latin typeface="Cambria Math" panose="02040503050406030204" pitchFamily="18" charset="0"/>
                           </a:rPr>
                         </m:ctrlPr>
                       </m:sSubPr>
                       <m:e>
                         <m:r>
-                          <a:rPr lang="en-US" sz="1600" b="0" i="1" smtClean="0">
-                            <a:latin typeface="Cambria Math" panose="02040503050406030204" pitchFamily="18" charset="0"/>
-                          </a:rPr>
-                          <m:t>𝜙</m:t>
+                          <a:rPr lang="en-US" sz="1600" b="1" i="1" smtClean="0">
+                            <a:latin typeface="Cambria Math" panose="02040503050406030204" pitchFamily="18" charset="0"/>
+                          </a:rPr>
+                          <m:t>𝝓</m:t>
                         </m:r>
                       </m:e>
                       <m:sub>
                         <m:r>
-                          <a:rPr lang="en-US" sz="1600" b="0" i="1" smtClean="0">
-                            <a:latin typeface="Cambria Math" panose="02040503050406030204" pitchFamily="18" charset="0"/>
-                          </a:rPr>
-                          <m:t>𝑔</m:t>
+                          <a:rPr lang="en-US" sz="1600" b="1" i="1" smtClean="0">
+                            <a:latin typeface="Cambria Math" panose="02040503050406030204" pitchFamily="18" charset="0"/>
+                          </a:rPr>
+                          <m:t>𝒈</m:t>
                         </m:r>
                       </m:sub>
                     </m:sSub>
                   </m:oMath>
                 </a14:m>
-                <a:endParaRPr lang="en-US" sz="1600" dirty="0"/>
+                <a:endParaRPr lang="en-US" sz="1600" b="1" dirty="0"/>
+              </a:p>
+              <a:p>
+                <a:r>
+                  <a:rPr lang="en-US" sz="1600" dirty="0"/>
+                  <a:t>If </a:t>
+                </a:r>
+                <a14:m>
+                  <m:oMath xmlns:m="http://schemas.openxmlformats.org/officeDocument/2006/math">
+                    <m:sSub>
+                      <m:sSubPr>
+                        <m:ctrlPr>
+                          <a:rPr lang="en-US" sz="1600" b="1" i="1" smtClean="0">
+                            <a:latin typeface="Cambria Math" panose="02040503050406030204" pitchFamily="18" charset="0"/>
+                          </a:rPr>
+                        </m:ctrlPr>
+                      </m:sSubPr>
+                      <m:e>
+                        <m:r>
+                          <a:rPr lang="en-US" sz="1600" b="1" i="1" smtClean="0">
+                            <a:latin typeface="Cambria Math" panose="02040503050406030204" pitchFamily="18" charset="0"/>
+                          </a:rPr>
+                          <m:t>𝝓</m:t>
+                        </m:r>
+                      </m:e>
+                      <m:sub>
+                        <m:r>
+                          <a:rPr lang="en-US" sz="1600" b="1" i="1" smtClean="0">
+                            <a:latin typeface="Cambria Math" panose="02040503050406030204" pitchFamily="18" charset="0"/>
+                          </a:rPr>
+                          <m:t>𝒈</m:t>
+                        </m:r>
+                      </m:sub>
+                    </m:sSub>
+                  </m:oMath>
+                </a14:m>
+                <a:r>
+                  <a:rPr lang="en-US" sz="1600" b="1" dirty="0"/>
+                  <a:t> </a:t>
+                </a:r>
+                <a:r>
+                  <a:rPr lang="en-US" sz="1600" dirty="0"/>
+                  <a:t>is already diagonalizable using the same basis.</a:t>
+                </a:r>
+              </a:p>
+              <a:p>
+                <a:r>
+                  <a:rPr lang="en-US" sz="1600" dirty="0"/>
+                  <a:t>Then the unitary matrix </a:t>
+                </a:r>
+                <a14:m>
+                  <m:oMath xmlns:m="http://schemas.openxmlformats.org/officeDocument/2006/math">
+                    <m:sSubSup>
+                      <m:sSubSupPr>
+                        <m:ctrlPr>
+                          <a:rPr lang="en-US" sz="1600" b="1" i="1" smtClean="0">
+                            <a:latin typeface="Cambria Math" panose="02040503050406030204" pitchFamily="18" charset="0"/>
+                          </a:rPr>
+                        </m:ctrlPr>
+                      </m:sSubSupPr>
+                      <m:e>
+                        <m:r>
+                          <a:rPr lang="en-US" sz="1600" b="1" i="1" smtClean="0">
+                            <a:latin typeface="Cambria Math" panose="02040503050406030204" pitchFamily="18" charset="0"/>
+                          </a:rPr>
+                          <m:t>𝑽</m:t>
+                        </m:r>
+                      </m:e>
+                      <m:sub>
+                        <m:r>
+                          <a:rPr lang="en-US" sz="1600" b="1" i="1" smtClean="0">
+                            <a:latin typeface="Cambria Math" panose="02040503050406030204" pitchFamily="18" charset="0"/>
+                          </a:rPr>
+                          <m:t>𝒈</m:t>
+                        </m:r>
+                      </m:sub>
+                      <m:sup>
+                        <m:r>
+                          <a:rPr lang="en-US" sz="1600" b="1" i="1" smtClean="0">
+                            <a:latin typeface="Cambria Math" panose="02040503050406030204" pitchFamily="18" charset="0"/>
+                          </a:rPr>
+                          <m:t>∗</m:t>
+                        </m:r>
+                      </m:sup>
+                    </m:sSubSup>
+                  </m:oMath>
+                </a14:m>
+                <a:r>
+                  <a:rPr lang="en-US" sz="1600" dirty="0"/>
+                  <a:t> becomes the identity matrix </a:t>
+                </a:r>
+                <a14:m>
+                  <m:oMath xmlns:m="http://schemas.openxmlformats.org/officeDocument/2006/math">
+                    <m:r>
+                      <a:rPr lang="en-US" sz="1600" b="1" i="1" smtClean="0">
+                        <a:latin typeface="Cambria Math" panose="02040503050406030204" pitchFamily="18" charset="0"/>
+                      </a:rPr>
+                      <m:t>𝑰</m:t>
+                    </m:r>
+                  </m:oMath>
+                </a14:m>
+                <a:r>
+                  <a:rPr lang="en-US" sz="1600" b="1" dirty="0"/>
+                  <a:t>.</a:t>
+                </a:r>
               </a:p>
               <a:p>
                 <a14:m>
@@ -27948,12 +28286,15 @@
                     </m:sSubSup>
                   </m:oMath>
                 </a14:m>
-                <a:endParaRPr lang="en-US" sz="1600" b="1" dirty="0"/>
+                <a:r>
+                  <a:rPr lang="en-US" sz="1600" b="1" dirty="0"/>
+                  <a:t>          </a:t>
+                </a:r>
               </a:p>
             </p:txBody>
           </p:sp>
         </mc:Choice>
-        <mc:Fallback xmlns="">
+        <mc:Fallback>
           <p:sp>
             <p:nvSpPr>
               <p:cNvPr id="3" name="Content Placeholder 2">
@@ -27974,7 +28315,7 @@
               <a:blipFill>
                 <a:blip r:embed="rId2"/>
                 <a:stretch>
-                  <a:fillRect l="-232" t="-539"/>
+                  <a:fillRect l="-232" t="-539" r="-10435" b="-6334"/>
                 </a:stretch>
               </a:blipFill>
             </p:spPr>
@@ -30600,8 +30941,8 @@
           </a:p>
         </p:txBody>
       </p:sp>
-      <mc:AlternateContent xmlns:mc="http://schemas.openxmlformats.org/markup-compatibility/2006">
-        <mc:Choice xmlns:a14="http://schemas.microsoft.com/office/drawing/2010/main" Requires="a14">
+      <mc:AlternateContent xmlns:mc="http://schemas.openxmlformats.org/markup-compatibility/2006" xmlns:a14="http://schemas.microsoft.com/office/drawing/2010/main">
+        <mc:Choice Requires="a14">
           <p:sp>
             <p:nvSpPr>
               <p:cNvPr id="3" name="Content Placeholder 2">
@@ -32244,7 +32585,7 @@
             </p:txBody>
           </p:sp>
         </mc:Choice>
-        <mc:Fallback>
+        <mc:Fallback xmlns="">
           <p:sp>
             <p:nvSpPr>
               <p:cNvPr id="3" name="Content Placeholder 2">
@@ -32371,8 +32712,8 @@
           </a:p>
         </p:txBody>
       </p:sp>
-      <mc:AlternateContent xmlns:mc="http://schemas.openxmlformats.org/markup-compatibility/2006" xmlns:a14="http://schemas.microsoft.com/office/drawing/2010/main">
-        <mc:Choice Requires="a14">
+      <mc:AlternateContent xmlns:mc="http://schemas.openxmlformats.org/markup-compatibility/2006">
+        <mc:Choice xmlns:a14="http://schemas.microsoft.com/office/drawing/2010/main" Requires="a14">
           <p:sp>
             <p:nvSpPr>
               <p:cNvPr id="3" name="Content Placeholder 2">
@@ -32665,7 +33006,7 @@
                 </a14:m>
                 <a:r>
                   <a:rPr lang="en-US" sz="1600" dirty="0"/>
-                  <a:t>  (60)</a:t>
+                  <a:t>                                                                                                                                     (60)</a:t>
                 </a:r>
               </a:p>
               <a:p>
@@ -33416,7 +33757,7 @@
             </p:txBody>
           </p:sp>
         </mc:Choice>
-        <mc:Fallback xmlns="">
+        <mc:Fallback>
           <p:sp>
             <p:nvSpPr>
               <p:cNvPr id="3" name="Content Placeholder 2">
@@ -33437,7 +33778,7 @@
               <a:blipFill>
                 <a:blip r:embed="rId2"/>
                 <a:stretch>
-                  <a:fillRect l="-232" t="-943"/>
+                  <a:fillRect l="-232" t="-943" r="-116"/>
                 </a:stretch>
               </a:blipFill>
             </p:spPr>
@@ -33817,7 +34158,13 @@
                       <a:rPr lang="en-GB" sz="1600" b="0" i="1" smtClean="0">
                         <a:latin typeface="Cambria Math" panose="02040503050406030204" pitchFamily="18" charset="0"/>
                       </a:rPr>
-                      <m:t>&gt;0</m:t>
+                      <m:t>&gt;</m:t>
+                    </m:r>
+                    <m:r>
+                      <a:rPr lang="en-GB" sz="1600" b="0" i="1" smtClean="0">
+                        <a:latin typeface="Cambria Math" panose="02040503050406030204" pitchFamily="18" charset="0"/>
+                      </a:rPr>
+                      <m:t>0</m:t>
                     </m:r>
                   </m:oMath>
                 </a14:m>
@@ -34555,7 +34902,13 @@
                                   <a:rPr lang="en-GB" sz="1600" b="0" i="1" smtClean="0">
                                     <a:latin typeface="Cambria Math" panose="02040503050406030204" pitchFamily="18" charset="0"/>
                                   </a:rPr>
-                                  <m:t>−1</m:t>
+                                  <m:t>−</m:t>
+                                </m:r>
+                                <m:r>
+                                  <a:rPr lang="en-GB" sz="1600" b="0" i="1" smtClean="0">
+                                    <a:latin typeface="Cambria Math" panose="02040503050406030204" pitchFamily="18" charset="0"/>
+                                  </a:rPr>
+                                  <m:t>1</m:t>
                                 </m:r>
                               </m:sup>
                             </m:sSubSup>
@@ -34731,7 +35084,13 @@
                                   <a:rPr lang="en-GB" sz="1600" b="0" i="1" smtClean="0">
                                     <a:latin typeface="Cambria Math" panose="02040503050406030204" pitchFamily="18" charset="0"/>
                                   </a:rPr>
-                                  <m:t>−1</m:t>
+                                  <m:t>−</m:t>
+                                </m:r>
+                                <m:r>
+                                  <a:rPr lang="en-GB" sz="1600" b="0" i="1" smtClean="0">
+                                    <a:latin typeface="Cambria Math" panose="02040503050406030204" pitchFamily="18" charset="0"/>
+                                  </a:rPr>
+                                  <m:t>1</m:t>
                                 </m:r>
                               </m:sup>
                             </m:sSubSup>
@@ -35235,7 +35594,13 @@
                       <a:rPr lang="en-GB" sz="1600" b="0" i="1" smtClean="0">
                         <a:latin typeface="Cambria Math" panose="02040503050406030204" pitchFamily="18" charset="0"/>
                       </a:rPr>
-                      <m:t>≥0</m:t>
+                      <m:t>≥</m:t>
+                    </m:r>
+                    <m:r>
+                      <a:rPr lang="en-GB" sz="1600" b="0" i="1" smtClean="0">
+                        <a:latin typeface="Cambria Math" panose="02040503050406030204" pitchFamily="18" charset="0"/>
+                      </a:rPr>
+                      <m:t>0</m:t>
                     </m:r>
                   </m:oMath>
                 </a14:m>
@@ -35255,7 +35620,19 @@
                       <a:rPr lang="en-GB" sz="1600" b="0" i="1" smtClean="0">
                         <a:latin typeface="Cambria Math" panose="02040503050406030204" pitchFamily="18" charset="0"/>
                       </a:rPr>
-                      <m:t>=1,…..</m:t>
+                      <m:t>=</m:t>
+                    </m:r>
+                    <m:r>
+                      <a:rPr lang="en-GB" sz="1600" b="0" i="1" smtClean="0">
+                        <a:latin typeface="Cambria Math" panose="02040503050406030204" pitchFamily="18" charset="0"/>
+                      </a:rPr>
+                      <m:t>1</m:t>
+                    </m:r>
+                    <m:r>
+                      <a:rPr lang="en-GB" sz="1600" b="0" i="1" smtClean="0">
+                        <a:latin typeface="Cambria Math" panose="02040503050406030204" pitchFamily="18" charset="0"/>
+                      </a:rPr>
+                      <m:t>,…..</m:t>
                     </m:r>
                     <m:r>
                       <a:rPr lang="en-GB" sz="1600" b="0" i="1" smtClean="0">
@@ -35392,7 +35769,19 @@
                       <a:rPr lang="en-GB" sz="1600" b="0" i="1" smtClean="0">
                         <a:latin typeface="Cambria Math" panose="02040503050406030204" pitchFamily="18" charset="0"/>
                       </a:rPr>
-                      <m:t>=0 </m:t>
+                      <m:t>=</m:t>
+                    </m:r>
+                    <m:r>
+                      <a:rPr lang="en-GB" sz="1600" b="0" i="1" smtClean="0">
+                        <a:latin typeface="Cambria Math" panose="02040503050406030204" pitchFamily="18" charset="0"/>
+                      </a:rPr>
+                      <m:t>0</m:t>
+                    </m:r>
+                    <m:r>
+                      <a:rPr lang="en-GB" sz="1600" b="0" i="1" smtClean="0">
+                        <a:latin typeface="Cambria Math" panose="02040503050406030204" pitchFamily="18" charset="0"/>
+                      </a:rPr>
+                      <m:t> </m:t>
                     </m:r>
                   </m:oMath>
                 </a14:m>
@@ -35424,7 +35813,13 @@
                       <a:rPr lang="en-GB" sz="1600" b="0" i="1" smtClean="0">
                         <a:latin typeface="Cambria Math" panose="02040503050406030204" pitchFamily="18" charset="0"/>
                       </a:rPr>
-                      <m:t>−1</m:t>
+                      <m:t>−</m:t>
+                    </m:r>
+                    <m:r>
+                      <a:rPr lang="en-GB" sz="1600" b="0" i="1" smtClean="0">
+                        <a:latin typeface="Cambria Math" panose="02040503050406030204" pitchFamily="18" charset="0"/>
+                      </a:rPr>
+                      <m:t>1</m:t>
                     </m:r>
                   </m:oMath>
                 </a14:m>
@@ -35450,7 +35845,13 @@
                       <a:rPr lang="en-GB" sz="1600" b="0" i="1" smtClean="0">
                         <a:latin typeface="Cambria Math" panose="02040503050406030204" pitchFamily="18" charset="0"/>
                       </a:rPr>
-                      <m:t>−1</m:t>
+                      <m:t>−</m:t>
+                    </m:r>
+                    <m:r>
+                      <a:rPr lang="en-GB" sz="1600" b="0" i="1" smtClean="0">
+                        <a:latin typeface="Cambria Math" panose="02040503050406030204" pitchFamily="18" charset="0"/>
+                      </a:rPr>
+                      <m:t>1</m:t>
                     </m:r>
                   </m:oMath>
                 </a14:m>
@@ -37945,13 +38346,7 @@
                       <a:rPr lang="en-US" sz="1600" b="0" i="1" dirty="0" smtClean="0">
                         <a:latin typeface="Cambria Math" panose="02040503050406030204" pitchFamily="18" charset="0"/>
                       </a:rPr>
-                      <m:t> ∗</m:t>
-                    </m:r>
-                    <m:r>
-                      <a:rPr lang="en-US" sz="1600" b="0" i="1" dirty="0" smtClean="0">
-                        <a:latin typeface="Cambria Math" panose="02040503050406030204" pitchFamily="18" charset="0"/>
-                      </a:rPr>
-                      <m:t>1</m:t>
+                      <m:t> ∗1</m:t>
                     </m:r>
                   </m:oMath>
                 </a14:m>
@@ -37990,13 +38385,7 @@
                       <a:rPr lang="en-US" sz="1600" b="0" i="1" smtClean="0">
                         <a:latin typeface="Cambria Math" panose="02040503050406030204" pitchFamily="18" charset="0"/>
                       </a:rPr>
-                      <m:t> ∗</m:t>
-                    </m:r>
-                    <m:r>
-                      <a:rPr lang="en-US" sz="1600" b="0" i="1" smtClean="0">
-                        <a:latin typeface="Cambria Math" panose="02040503050406030204" pitchFamily="18" charset="0"/>
-                      </a:rPr>
-                      <m:t>1</m:t>
+                      <m:t> ∗1</m:t>
                     </m:r>
                   </m:oMath>
                 </a14:m>
@@ -38187,19 +38576,7 @@
                       <a:rPr lang="en-US" sz="1600" b="0" i="1" smtClean="0">
                         <a:latin typeface="Cambria Math" panose="02040503050406030204" pitchFamily="18" charset="0"/>
                       </a:rPr>
-                      <m:t> ∗</m:t>
-                    </m:r>
-                    <m:r>
-                      <a:rPr lang="en-US" sz="1600" b="0" i="1" smtClean="0">
-                        <a:latin typeface="Cambria Math" panose="02040503050406030204" pitchFamily="18" charset="0"/>
-                      </a:rPr>
-                      <m:t>1</m:t>
-                    </m:r>
-                    <m:r>
-                      <a:rPr lang="en-US" sz="1600" b="0" i="1" smtClean="0">
-                        <a:latin typeface="Cambria Math" panose="02040503050406030204" pitchFamily="18" charset="0"/>
-                      </a:rPr>
-                      <m:t> </m:t>
+                      <m:t> ∗1 </m:t>
                     </m:r>
                   </m:oMath>
                 </a14:m>
@@ -38553,19 +38930,7 @@
                       <a:rPr lang="en-US" sz="1600" b="0" i="1" smtClean="0">
                         <a:latin typeface="Cambria Math" panose="02040503050406030204" pitchFamily="18" charset="0"/>
                       </a:rPr>
-                      <m:t>=</m:t>
-                    </m:r>
-                    <m:r>
-                      <a:rPr lang="en-US" sz="1600" b="0" i="1" smtClean="0">
-                        <a:latin typeface="Cambria Math" panose="02040503050406030204" pitchFamily="18" charset="0"/>
-                      </a:rPr>
-                      <m:t>0</m:t>
-                    </m:r>
-                    <m:r>
-                      <a:rPr lang="en-US" sz="1600" b="0" i="1" smtClean="0">
-                        <a:latin typeface="Cambria Math" panose="02040503050406030204" pitchFamily="18" charset="0"/>
-                      </a:rPr>
-                      <m:t> </m:t>
+                      <m:t>=0 </m:t>
                     </m:r>
                   </m:oMath>
                 </a14:m>
@@ -39358,7 +39723,19 @@
                       <a:rPr lang="en-US" sz="1600" b="0" i="1" smtClean="0">
                         <a:latin typeface="Cambria Math" panose="02040503050406030204" pitchFamily="18" charset="0"/>
                       </a:rPr>
-                      <m:t>∗1 </m:t>
+                      <m:t>∗</m:t>
+                    </m:r>
+                    <m:r>
+                      <a:rPr lang="en-US" sz="1600" b="0" i="1" smtClean="0">
+                        <a:latin typeface="Cambria Math" panose="02040503050406030204" pitchFamily="18" charset="0"/>
+                      </a:rPr>
+                      <m:t>1</m:t>
+                    </m:r>
+                    <m:r>
+                      <a:rPr lang="en-US" sz="1600" b="0" i="1" smtClean="0">
+                        <a:latin typeface="Cambria Math" panose="02040503050406030204" pitchFamily="18" charset="0"/>
+                      </a:rPr>
+                      <m:t> </m:t>
                     </m:r>
                     <m:r>
                       <a:rPr lang="en-US" sz="1600" b="0" i="0" smtClean="0">
@@ -39636,7 +40013,19 @@
                       <a:rPr lang="en-US" sz="1600" b="0" i="1" smtClean="0">
                         <a:latin typeface="Cambria Math" panose="02040503050406030204" pitchFamily="18" charset="0"/>
                       </a:rPr>
-                      <m:t> ∗1 </m:t>
+                      <m:t> ∗</m:t>
+                    </m:r>
+                    <m:r>
+                      <a:rPr lang="en-US" sz="1600" b="0" i="1" smtClean="0">
+                        <a:latin typeface="Cambria Math" panose="02040503050406030204" pitchFamily="18" charset="0"/>
+                      </a:rPr>
+                      <m:t>1</m:t>
+                    </m:r>
+                    <m:r>
+                      <a:rPr lang="en-US" sz="1600" b="0" i="1" smtClean="0">
+                        <a:latin typeface="Cambria Math" panose="02040503050406030204" pitchFamily="18" charset="0"/>
+                      </a:rPr>
+                      <m:t> </m:t>
                     </m:r>
                   </m:oMath>
                 </a14:m>
@@ -39662,7 +40051,13 @@
                       <a:rPr lang="en-US" sz="1600" b="0" i="1" smtClean="0">
                         <a:latin typeface="Cambria Math" panose="02040503050406030204" pitchFamily="18" charset="0"/>
                       </a:rPr>
-                      <m:t>−1</m:t>
+                      <m:t>−</m:t>
+                    </m:r>
+                    <m:r>
+                      <a:rPr lang="en-US" sz="1600" b="0" i="1" smtClean="0">
+                        <a:latin typeface="Cambria Math" panose="02040503050406030204" pitchFamily="18" charset="0"/>
+                      </a:rPr>
+                      <m:t>1</m:t>
                     </m:r>
                   </m:oMath>
                 </a14:m>
@@ -39701,7 +40096,19 @@
                       <a:rPr lang="en-US" sz="1600" b="0" i="1" smtClean="0">
                         <a:latin typeface="Cambria Math" panose="02040503050406030204" pitchFamily="18" charset="0"/>
                       </a:rPr>
-                      <m:t> ∗1 </m:t>
+                      <m:t> ∗</m:t>
+                    </m:r>
+                    <m:r>
+                      <a:rPr lang="en-US" sz="1600" b="0" i="1" smtClean="0">
+                        <a:latin typeface="Cambria Math" panose="02040503050406030204" pitchFamily="18" charset="0"/>
+                      </a:rPr>
+                      <m:t>1</m:t>
+                    </m:r>
+                    <m:r>
+                      <a:rPr lang="en-US" sz="1600" b="0" i="1" smtClean="0">
+                        <a:latin typeface="Cambria Math" panose="02040503050406030204" pitchFamily="18" charset="0"/>
+                      </a:rPr>
+                      <m:t> </m:t>
                     </m:r>
                   </m:oMath>
                 </a14:m>
@@ -40078,7 +40485,13 @@
                           <a:rPr lang="en-US" sz="1600" b="0" i="1" smtClean="0">
                             <a:latin typeface="Cambria Math" panose="02040503050406030204" pitchFamily="18" charset="0"/>
                           </a:rPr>
-                          <m:t> −1</m:t>
+                          <m:t> −</m:t>
+                        </m:r>
+                        <m:r>
+                          <a:rPr lang="en-US" sz="1600" b="0" i="1" smtClean="0">
+                            <a:latin typeface="Cambria Math" panose="02040503050406030204" pitchFamily="18" charset="0"/>
+                          </a:rPr>
+                          <m:t>1</m:t>
                         </m:r>
                       </m:e>
                     </m:d>
@@ -40651,7 +41064,13 @@
                               <a:rPr lang="en-US" sz="1600" b="0" i="0" dirty="0" smtClean="0">
                                 <a:latin typeface="Cambria Math" panose="02040503050406030204" pitchFamily="18" charset="0"/>
                               </a:rPr>
-                              <m:t>−1</m:t>
+                              <m:t>−</m:t>
+                            </m:r>
+                            <m:r>
+                              <a:rPr lang="en-US" sz="1600" b="0" i="0" dirty="0" smtClean="0">
+                                <a:latin typeface="Cambria Math" panose="02040503050406030204" pitchFamily="18" charset="0"/>
+                              </a:rPr>
+                              <m:t>1</m:t>
                             </m:r>
                           </m:e>
                         </m:d>
@@ -40776,7 +41195,19 @@
                       <a:rPr lang="en-US" sz="1600" b="0" i="1" smtClean="0">
                         <a:latin typeface="Cambria Math" panose="02040503050406030204" pitchFamily="18" charset="0"/>
                       </a:rPr>
-                      <m:t>, 1≤</m:t>
+                      <m:t>, </m:t>
+                    </m:r>
+                    <m:r>
+                      <a:rPr lang="en-US" sz="1600" b="0" i="1" smtClean="0">
+                        <a:latin typeface="Cambria Math" panose="02040503050406030204" pitchFamily="18" charset="0"/>
+                      </a:rPr>
+                      <m:t>1</m:t>
+                    </m:r>
+                    <m:r>
+                      <a:rPr lang="en-US" sz="1600" b="0" i="1" smtClean="0">
+                        <a:latin typeface="Cambria Math" panose="02040503050406030204" pitchFamily="18" charset="0"/>
+                      </a:rPr>
+                      <m:t>≤</m:t>
                     </m:r>
                     <m:r>
                       <a:rPr lang="en-US" sz="1600" b="0" i="1" smtClean="0">
